--- a/memes.pptx
+++ b/memes.pptx
@@ -8,13 +8,14 @@
     <p:sldId id="256" r:id="rId2"/>
     <p:sldId id="257" r:id="rId3"/>
     <p:sldId id="259" r:id="rId4"/>
-    <p:sldId id="260" r:id="rId5"/>
-    <p:sldId id="261" r:id="rId6"/>
-    <p:sldId id="262" r:id="rId7"/>
-    <p:sldId id="263" r:id="rId8"/>
-    <p:sldId id="264" r:id="rId9"/>
-    <p:sldId id="265" r:id="rId10"/>
-    <p:sldId id="266" r:id="rId11"/>
+    <p:sldId id="267" r:id="rId5"/>
+    <p:sldId id="260" r:id="rId6"/>
+    <p:sldId id="261" r:id="rId7"/>
+    <p:sldId id="262" r:id="rId8"/>
+    <p:sldId id="263" r:id="rId9"/>
+    <p:sldId id="264" r:id="rId10"/>
+    <p:sldId id="265" r:id="rId11"/>
+    <p:sldId id="266" r:id="rId12"/>
   </p:sldIdLst>
   <p:sldSz cx="9144000" cy="6858000" type="screen4x3"/>
   <p:notesSz cx="6858000" cy="9144000"/>
@@ -3068,6 +3069,124 @@
       </p:grpSpPr>
       <p:pic>
         <p:nvPicPr>
+          <p:cNvPr id="5" name="Picture 4" descr="A picture containing equipment&#10;&#10;Description automatically generated">
+            <a:extLst>
+              <a:ext uri="{FF2B5EF4-FFF2-40B4-BE49-F238E27FC236}">
+                <a16:creationId xmlns:a16="http://schemas.microsoft.com/office/drawing/2014/main" id="{ACCE1B30-E8EA-7EEA-8DF3-AABFEC7C25E6}"/>
+              </a:ext>
+            </a:extLst>
+          </p:cNvPr>
+          <p:cNvPicPr>
+            <a:picLocks noChangeAspect="1"/>
+          </p:cNvPicPr>
+          <p:nvPr/>
+        </p:nvPicPr>
+        <p:blipFill>
+          <a:blip r:embed="rId2">
+            <a:extLst>
+              <a:ext uri="{28A0092B-C50C-407E-A947-70E740481C1C}">
+                <a14:useLocalDpi xmlns:a14="http://schemas.microsoft.com/office/drawing/2010/main" val="0"/>
+              </a:ext>
+            </a:extLst>
+          </a:blip>
+          <a:stretch>
+            <a:fillRect/>
+          </a:stretch>
+        </p:blipFill>
+        <p:spPr>
+          <a:xfrm>
+            <a:off x="1953705" y="1213407"/>
+            <a:ext cx="5908249" cy="4431186"/>
+          </a:xfrm>
+          <a:prstGeom prst="rect">
+            <a:avLst/>
+          </a:prstGeom>
+        </p:spPr>
+      </p:pic>
+      <p:sp>
+        <p:nvSpPr>
+          <p:cNvPr id="6" name="Rectangle: Rounded Corners 5">
+            <a:extLst>
+              <a:ext uri="{FF2B5EF4-FFF2-40B4-BE49-F238E27FC236}">
+                <a16:creationId xmlns:a16="http://schemas.microsoft.com/office/drawing/2014/main" id="{87076F25-C6FD-4237-867A-C903999DCFA2}"/>
+              </a:ext>
+            </a:extLst>
+          </p:cNvPr>
+          <p:cNvSpPr/>
+          <p:nvPr/>
+        </p:nvSpPr>
+        <p:spPr>
+          <a:xfrm>
+            <a:off x="3899161" y="2325416"/>
+            <a:ext cx="2328387" cy="307312"/>
+          </a:xfrm>
+          <a:prstGeom prst="roundRect">
+            <a:avLst/>
+          </a:prstGeom>
+          <a:solidFill>
+            <a:schemeClr val="tx1"/>
+          </a:solidFill>
+        </p:spPr>
+        <p:style>
+          <a:lnRef idx="2">
+            <a:schemeClr val="accent1">
+              <a:shade val="15000"/>
+            </a:schemeClr>
+          </a:lnRef>
+          <a:fillRef idx="1">
+            <a:schemeClr val="accent1"/>
+          </a:fillRef>
+          <a:effectRef idx="0">
+            <a:schemeClr val="accent1"/>
+          </a:effectRef>
+          <a:fontRef idx="minor">
+            <a:schemeClr val="lt1"/>
+          </a:fontRef>
+        </p:style>
+        <p:txBody>
+          <a:bodyPr rtlCol="0" anchor="ctr"/>
+          <a:lstStyle/>
+          <a:p>
+            <a:pPr algn="ctr"/>
+            <a:r>
+              <a:rPr lang="en-US" sz="1350" dirty="0"/>
+              <a:t>3d Printing</a:t>
+            </a:r>
+          </a:p>
+        </p:txBody>
+      </p:sp>
+    </p:spTree>
+    <p:extLst>
+      <p:ext uri="{BB962C8B-B14F-4D97-AF65-F5344CB8AC3E}">
+        <p14:creationId xmlns:p14="http://schemas.microsoft.com/office/powerpoint/2010/main" val="2135671232"/>
+      </p:ext>
+    </p:extLst>
+  </p:cSld>
+  <p:clrMapOvr>
+    <a:masterClrMapping/>
+  </p:clrMapOvr>
+</p:sld>
+</file>
+
+<file path=ppt/slides/slide11.xml><?xml version="1.0" encoding="utf-8"?>
+<p:sld xmlns:a="http://schemas.openxmlformats.org/drawingml/2006/main" xmlns:r="http://schemas.openxmlformats.org/officeDocument/2006/relationships" xmlns:p="http://schemas.openxmlformats.org/presentationml/2006/main">
+  <p:cSld>
+    <p:spTree>
+      <p:nvGrpSpPr>
+        <p:cNvPr id="1" name=""/>
+        <p:cNvGrpSpPr/>
+        <p:nvPr/>
+      </p:nvGrpSpPr>
+      <p:grpSpPr>
+        <a:xfrm>
+          <a:off x="0" y="0"/>
+          <a:ext cx="0" cy="0"/>
+          <a:chOff x="0" y="0"/>
+          <a:chExt cx="0" cy="0"/>
+        </a:xfrm>
+      </p:grpSpPr>
+      <p:pic>
+        <p:nvPicPr>
           <p:cNvPr id="8" name="Picture 7" descr="A picture containing text, electronics, circuit&#10;&#10;Description automatically generated">
             <a:extLst>
               <a:ext uri="{FF2B5EF4-FFF2-40B4-BE49-F238E27FC236}">
@@ -3367,6 +3486,66 @@
           <p:cNvPr id="5" name="Picture 4">
             <a:extLst>
               <a:ext uri="{FF2B5EF4-FFF2-40B4-BE49-F238E27FC236}">
+                <a16:creationId xmlns:a16="http://schemas.microsoft.com/office/drawing/2014/main" id="{C71921A1-F7B7-9285-5F3C-A59EBC20407D}"/>
+              </a:ext>
+            </a:extLst>
+          </p:cNvPr>
+          <p:cNvPicPr>
+            <a:picLocks noChangeAspect="1"/>
+          </p:cNvPicPr>
+          <p:nvPr/>
+        </p:nvPicPr>
+        <p:blipFill>
+          <a:blip r:embed="rId2"/>
+          <a:stretch>
+            <a:fillRect/>
+          </a:stretch>
+        </p:blipFill>
+        <p:spPr>
+          <a:xfrm>
+            <a:off x="1233168" y="1690689"/>
+            <a:ext cx="6130910" cy="4365076"/>
+          </a:xfrm>
+          <a:prstGeom prst="rect">
+            <a:avLst/>
+          </a:prstGeom>
+        </p:spPr>
+      </p:pic>
+    </p:spTree>
+    <p:extLst>
+      <p:ext uri="{BB962C8B-B14F-4D97-AF65-F5344CB8AC3E}">
+        <p14:creationId xmlns:p14="http://schemas.microsoft.com/office/powerpoint/2010/main" val="2936742061"/>
+      </p:ext>
+    </p:extLst>
+  </p:cSld>
+  <p:clrMapOvr>
+    <a:masterClrMapping/>
+  </p:clrMapOvr>
+</p:sld>
+</file>
+
+<file path=ppt/slides/slide5.xml><?xml version="1.0" encoding="utf-8"?>
+<p:sld xmlns:a="http://schemas.openxmlformats.org/drawingml/2006/main" xmlns:r="http://schemas.openxmlformats.org/officeDocument/2006/relationships" xmlns:p="http://schemas.openxmlformats.org/presentationml/2006/main">
+  <p:cSld>
+    <p:spTree>
+      <p:nvGrpSpPr>
+        <p:cNvPr id="1" name=""/>
+        <p:cNvGrpSpPr/>
+        <p:nvPr/>
+      </p:nvGrpSpPr>
+      <p:grpSpPr>
+        <a:xfrm>
+          <a:off x="0" y="0"/>
+          <a:ext cx="0" cy="0"/>
+          <a:chOff x="0" y="0"/>
+          <a:chExt cx="0" cy="0"/>
+        </a:xfrm>
+      </p:grpSpPr>
+      <p:pic>
+        <p:nvPicPr>
+          <p:cNvPr id="5" name="Picture 4">
+            <a:extLst>
+              <a:ext uri="{FF2B5EF4-FFF2-40B4-BE49-F238E27FC236}">
                 <a16:creationId xmlns:a16="http://schemas.microsoft.com/office/drawing/2014/main" id="{E0D12BE0-7CCF-BA45-31CF-BAEFD71E955C}"/>
               </a:ext>
             </a:extLst>
@@ -3493,7 +3672,7 @@
 </p:sld>
 </file>
 
-<file path=ppt/slides/slide5.xml><?xml version="1.0" encoding="utf-8"?>
+<file path=ppt/slides/slide6.xml><?xml version="1.0" encoding="utf-8"?>
 <p:sld xmlns:a="http://schemas.openxmlformats.org/drawingml/2006/main" xmlns:r="http://schemas.openxmlformats.org/officeDocument/2006/relationships" xmlns:p="http://schemas.openxmlformats.org/presentationml/2006/main">
   <p:cSld>
     <p:spTree>
@@ -3610,7 +3789,7 @@
 </p:sld>
 </file>
 
-<file path=ppt/slides/slide6.xml><?xml version="1.0" encoding="utf-8"?>
+<file path=ppt/slides/slide7.xml><?xml version="1.0" encoding="utf-8"?>
 <p:sld xmlns:a="http://schemas.openxmlformats.org/drawingml/2006/main" xmlns:r="http://schemas.openxmlformats.org/officeDocument/2006/relationships" xmlns:p="http://schemas.openxmlformats.org/presentationml/2006/main">
   <p:cSld>
     <p:spTree>
@@ -3710,13 +3889,8 @@
             <a:pPr algn="ctr"/>
             <a:r>
               <a:rPr lang="en-US" sz="1350" dirty="0"/>
-              <a:t>Microsoft </a:t>
-            </a:r>
-            <a:r>
-              <a:rPr lang="en-US" sz="1350" dirty="0" err="1"/>
-              <a:t>MakeCode</a:t>
-            </a:r>
-            <a:endParaRPr lang="en-US" sz="1350" dirty="0"/>
+              <a:t>Microsoft MakeCode</a:t>
+            </a:r>
           </a:p>
         </p:txBody>
       </p:sp>
@@ -3733,7 +3907,7 @@
 </p:sld>
 </file>
 
-<file path=ppt/slides/slide7.xml><?xml version="1.0" encoding="utf-8"?>
+<file path=ppt/slides/slide8.xml><?xml version="1.0" encoding="utf-8"?>
 <p:sld xmlns:a="http://schemas.openxmlformats.org/drawingml/2006/main" xmlns:r="http://schemas.openxmlformats.org/officeDocument/2006/relationships" xmlns:p="http://schemas.openxmlformats.org/presentationml/2006/main">
   <p:cSld>
     <p:spTree>
@@ -3799,7 +3973,7 @@
 </p:sld>
 </file>
 
-<file path=ppt/slides/slide8.xml><?xml version="1.0" encoding="utf-8"?>
+<file path=ppt/slides/slide9.xml><?xml version="1.0" encoding="utf-8"?>
 <p:sld xmlns:a="http://schemas.openxmlformats.org/drawingml/2006/main" xmlns:r="http://schemas.openxmlformats.org/officeDocument/2006/relationships" xmlns:p="http://schemas.openxmlformats.org/presentationml/2006/main">
   <p:cSld>
     <p:spTree>
@@ -3908,124 +4082,6 @@
     <p:extLst>
       <p:ext uri="{BB962C8B-B14F-4D97-AF65-F5344CB8AC3E}">
         <p14:creationId xmlns:p14="http://schemas.microsoft.com/office/powerpoint/2010/main" val="1895945550"/>
-      </p:ext>
-    </p:extLst>
-  </p:cSld>
-  <p:clrMapOvr>
-    <a:masterClrMapping/>
-  </p:clrMapOvr>
-</p:sld>
-</file>
-
-<file path=ppt/slides/slide9.xml><?xml version="1.0" encoding="utf-8"?>
-<p:sld xmlns:a="http://schemas.openxmlformats.org/drawingml/2006/main" xmlns:r="http://schemas.openxmlformats.org/officeDocument/2006/relationships" xmlns:p="http://schemas.openxmlformats.org/presentationml/2006/main">
-  <p:cSld>
-    <p:spTree>
-      <p:nvGrpSpPr>
-        <p:cNvPr id="1" name=""/>
-        <p:cNvGrpSpPr/>
-        <p:nvPr/>
-      </p:nvGrpSpPr>
-      <p:grpSpPr>
-        <a:xfrm>
-          <a:off x="0" y="0"/>
-          <a:ext cx="0" cy="0"/>
-          <a:chOff x="0" y="0"/>
-          <a:chExt cx="0" cy="0"/>
-        </a:xfrm>
-      </p:grpSpPr>
-      <p:pic>
-        <p:nvPicPr>
-          <p:cNvPr id="5" name="Picture 4" descr="A picture containing equipment&#10;&#10;Description automatically generated">
-            <a:extLst>
-              <a:ext uri="{FF2B5EF4-FFF2-40B4-BE49-F238E27FC236}">
-                <a16:creationId xmlns:a16="http://schemas.microsoft.com/office/drawing/2014/main" id="{ACCE1B30-E8EA-7EEA-8DF3-AABFEC7C25E6}"/>
-              </a:ext>
-            </a:extLst>
-          </p:cNvPr>
-          <p:cNvPicPr>
-            <a:picLocks noChangeAspect="1"/>
-          </p:cNvPicPr>
-          <p:nvPr/>
-        </p:nvPicPr>
-        <p:blipFill>
-          <a:blip r:embed="rId2">
-            <a:extLst>
-              <a:ext uri="{28A0092B-C50C-407E-A947-70E740481C1C}">
-                <a14:useLocalDpi xmlns:a14="http://schemas.microsoft.com/office/drawing/2010/main" val="0"/>
-              </a:ext>
-            </a:extLst>
-          </a:blip>
-          <a:stretch>
-            <a:fillRect/>
-          </a:stretch>
-        </p:blipFill>
-        <p:spPr>
-          <a:xfrm>
-            <a:off x="1953705" y="1213407"/>
-            <a:ext cx="5908249" cy="4431186"/>
-          </a:xfrm>
-          <a:prstGeom prst="rect">
-            <a:avLst/>
-          </a:prstGeom>
-        </p:spPr>
-      </p:pic>
-      <p:sp>
-        <p:nvSpPr>
-          <p:cNvPr id="6" name="Rectangle: Rounded Corners 5">
-            <a:extLst>
-              <a:ext uri="{FF2B5EF4-FFF2-40B4-BE49-F238E27FC236}">
-                <a16:creationId xmlns:a16="http://schemas.microsoft.com/office/drawing/2014/main" id="{87076F25-C6FD-4237-867A-C903999DCFA2}"/>
-              </a:ext>
-            </a:extLst>
-          </p:cNvPr>
-          <p:cNvSpPr/>
-          <p:nvPr/>
-        </p:nvSpPr>
-        <p:spPr>
-          <a:xfrm>
-            <a:off x="3899161" y="2325416"/>
-            <a:ext cx="2328387" cy="307312"/>
-          </a:xfrm>
-          <a:prstGeom prst="roundRect">
-            <a:avLst/>
-          </a:prstGeom>
-          <a:solidFill>
-            <a:schemeClr val="tx1"/>
-          </a:solidFill>
-        </p:spPr>
-        <p:style>
-          <a:lnRef idx="2">
-            <a:schemeClr val="accent1">
-              <a:shade val="15000"/>
-            </a:schemeClr>
-          </a:lnRef>
-          <a:fillRef idx="1">
-            <a:schemeClr val="accent1"/>
-          </a:fillRef>
-          <a:effectRef idx="0">
-            <a:schemeClr val="accent1"/>
-          </a:effectRef>
-          <a:fontRef idx="minor">
-            <a:schemeClr val="lt1"/>
-          </a:fontRef>
-        </p:style>
-        <p:txBody>
-          <a:bodyPr rtlCol="0" anchor="ctr"/>
-          <a:lstStyle/>
-          <a:p>
-            <a:pPr algn="ctr"/>
-            <a:r>
-              <a:rPr lang="en-US" sz="1350" dirty="0"/>
-              <a:t>3d Printing</a:t>
-            </a:r>
-          </a:p>
-        </p:txBody>
-      </p:sp>
-    </p:spTree>
-    <p:extLst>
-      <p:ext uri="{BB962C8B-B14F-4D97-AF65-F5344CB8AC3E}">
-        <p14:creationId xmlns:p14="http://schemas.microsoft.com/office/powerpoint/2010/main" val="2135671232"/>
       </p:ext>
     </p:extLst>
   </p:cSld>
